--- a/10_QueryApp03.pptx
+++ b/10_QueryApp03.pptx
@@ -3466,7 +3466,7 @@
                   <a:srgbClr val="FFFF00"/>
                 </a:solidFill>
               </a:rPr>
-              <a:t>10 Query Variable: Part 3</a:t>
+              <a:t>10 Define Query Variable: Part 3</a:t>
             </a:r>
             <a:endParaRPr lang="zh-TW" altLang="en-US" sz="4800" b="1" dirty="0">
               <a:solidFill>
@@ -3664,7 +3664,7 @@
                   <a:srgbClr val="FFFF00"/>
                 </a:solidFill>
               </a:rPr>
-              <a:t>10.5 Run Application</a:t>
+              <a:t>10.4 Run Application</a:t>
             </a:r>
             <a:endParaRPr lang="zh-TW" altLang="en-US" b="1" dirty="0">
               <a:solidFill>
@@ -3687,7 +3687,7 @@
         <p:spPr>
           <a:xfrm>
             <a:off x="370508" y="1352248"/>
-            <a:ext cx="8331299" cy="1212656"/>
+            <a:ext cx="8331299" cy="1343176"/>
           </a:xfrm>
           <a:ln>
             <a:solidFill>
@@ -3920,7 +3920,7 @@
         </p:blipFill>
         <p:spPr>
           <a:xfrm>
-            <a:off x="683568" y="2758756"/>
+            <a:off x="683568" y="2915726"/>
             <a:ext cx="7534275" cy="1666875"/>
           </a:xfrm>
           <a:prstGeom prst="rect">
@@ -4202,7 +4202,7 @@
                   <a:srgbClr val="FFFF00"/>
                 </a:solidFill>
               </a:rPr>
-              <a:t>10.6 Verify</a:t>
+              <a:t>10.5 Verify</a:t>
             </a:r>
             <a:endParaRPr lang="zh-TW" altLang="en-US" b="1" dirty="0">
               <a:solidFill>
@@ -4834,7 +4834,7 @@
                   <a:srgbClr val="FFFF00"/>
                 </a:solidFill>
               </a:rPr>
-              <a:t>10.6 Verify</a:t>
+              <a:t>10.5 Verify</a:t>
             </a:r>
             <a:endParaRPr lang="zh-TW" altLang="en-US" b="1" dirty="0">
               <a:solidFill>
@@ -5466,12 +5466,12 @@
           <a:p>
             <a:pPr algn="l"/>
             <a:r>
-              <a:rPr lang="en-US" altLang="zh-TW" sz="4400" b="1" dirty="0">
+              <a:rPr lang="en-US" altLang="zh-TW" sz="4400" b="1">
                 <a:solidFill>
                   <a:srgbClr val="FFFF00"/>
                 </a:solidFill>
               </a:rPr>
-              <a:t>10 Query Variable: Part 3</a:t>
+              <a:t>10 Define Query Variable: Part 3</a:t>
             </a:r>
             <a:endParaRPr lang="zh-TW" altLang="en-US" b="1" dirty="0">
               <a:solidFill>
@@ -7081,7 +7081,7 @@
                   <a:srgbClr val="FFFF00"/>
                 </a:solidFill>
               </a:rPr>
-              <a:t>10.4 Run Application</a:t>
+              <a:t>10.3 Step 3</a:t>
             </a:r>
             <a:endParaRPr lang="zh-TW" altLang="en-US" b="1" dirty="0">
               <a:solidFill>
@@ -7133,7 +7133,7 @@
                 </a:solidFill>
                 <a:effectLst/>
               </a:rPr>
-              <a:t>Step 4: Run Application</a:t>
+              <a:t>Set 3: Define Variable</a:t>
             </a:r>
             <a:endParaRPr lang="en-US" sz="1800" b="1" dirty="0">
               <a:solidFill>
@@ -7485,7 +7485,7 @@
                   <a:srgbClr val="FFFF00"/>
                 </a:solidFill>
               </a:rPr>
-              <a:t>10.5 Run Application</a:t>
+              <a:t>10.4 Run Application</a:t>
             </a:r>
             <a:endParaRPr lang="zh-TW" altLang="en-US" sz="4800" b="1" dirty="0">
               <a:solidFill>
